--- a/UART.pptx
+++ b/UART.pptx
@@ -10,7 +10,7 @@
     <p:sldId id="267" r:id="rId4"/>
     <p:sldId id="263" r:id="rId5"/>
     <p:sldId id="269" r:id="rId6"/>
-    <p:sldId id="266" r:id="rId7"/>
+    <p:sldId id="270" r:id="rId7"/>
   </p:sldIdLst>
   <p:sldSz cx="12192000" cy="6858000"/>
   <p:notesSz cx="6858000" cy="9144000"/>
@@ -3932,6 +3932,11 @@
             <a:avLst/>
           </a:prstGeom>
           <a:noFill/>
+          <a:ln>
+            <a:solidFill>
+              <a:schemeClr val="bg1"/>
+            </a:solidFill>
+          </a:ln>
         </p:spPr>
         <p:txBody>
           <a:bodyPr wrap="square" rtlCol="0">
@@ -4351,10 +4356,10 @@
       </p:sp>
       <p:pic>
         <p:nvPicPr>
-          <p:cNvPr id="10" name="Picture 9" descr="A diagram of a system&#10;&#10;Description automatically generated">
-            <a:extLst>
-              <a:ext uri="{FF2B5EF4-FFF2-40B4-BE49-F238E27FC236}">
-                <a16:creationId xmlns:a16="http://schemas.microsoft.com/office/drawing/2014/main" id="{AB84A103-3DAF-20DA-FB9E-68450B38C0CC}"/>
+          <p:cNvPr id="12" name="Picture 11" descr="A diagram of a system&#10;&#10;Description automatically generated">
+            <a:extLst>
+              <a:ext uri="{FF2B5EF4-FFF2-40B4-BE49-F238E27FC236}">
+                <a16:creationId xmlns:a16="http://schemas.microsoft.com/office/drawing/2014/main" id="{2204FBDE-221E-39DE-A607-94D5B61EB300}"/>
               </a:ext>
             </a:extLst>
           </p:cNvPr>
@@ -4371,13 +4376,13 @@
               </a:ext>
             </a:extLst>
           </a:blip>
-          <a:srcRect t="7826" b="11014"/>
+          <a:srcRect t="8261" b="11884"/>
           <a:stretch/>
         </p:blipFill>
         <p:spPr>
           <a:xfrm>
-            <a:off x="1140424" y="1655029"/>
-            <a:ext cx="9543591" cy="5202971"/>
+            <a:off x="1123122" y="1579642"/>
+            <a:ext cx="9773104" cy="5242467"/>
           </a:xfrm>
           <a:prstGeom prst="rect">
             <a:avLst/>
@@ -9272,7 +9277,7 @@
             </a:pPr>
             <a:r>
               <a:rPr lang="en-US" dirty="0"/>
-              <a:t>This technique</a:t>
+              <a:t>Such technique</a:t>
             </a:r>
             <a:r>
               <a:rPr lang="en-US" b="0" i="0" dirty="0">
@@ -9303,7 +9308,7 @@
             </a:pPr>
             <a:r>
               <a:rPr lang="en-US" dirty="0"/>
-              <a:t>This is achieved by using the baud rate generator block, where the receiver block counts the number of ticks it requires to reach the middle of every bit then sample the data.</a:t>
+              <a:t>This is achieved by using the baud rate generator block, where the receiver block counts the number of ticks it requires to reach the middle of every bit then samples the data.</a:t>
             </a:r>
           </a:p>
         </p:txBody>
@@ -9722,10 +9727,10 @@
       </p:sp>
       <p:pic>
         <p:nvPicPr>
-          <p:cNvPr id="2" name="Picture 1">
-            <a:extLst>
-              <a:ext uri="{FF2B5EF4-FFF2-40B4-BE49-F238E27FC236}">
-                <a16:creationId xmlns:a16="http://schemas.microsoft.com/office/drawing/2014/main" id="{2E0BBC10-703E-FB36-E51D-3A73DC0C737A}"/>
+          <p:cNvPr id="9" name="Picture 8">
+            <a:extLst>
+              <a:ext uri="{FF2B5EF4-FFF2-40B4-BE49-F238E27FC236}">
+                <a16:creationId xmlns:a16="http://schemas.microsoft.com/office/drawing/2014/main" id="{844737C8-8805-D915-FD8C-5C114DF4FA22}"/>
               </a:ext>
             </a:extLst>
           </p:cNvPr>
@@ -9736,13 +9741,13 @@
         </p:nvPicPr>
         <p:blipFill rotWithShape="1">
           <a:blip r:embed="rId2"/>
-          <a:srcRect l="904" t="7232" r="814" b="3083"/>
+          <a:srcRect l="975" t="21918" r="1112" b="12010"/>
           <a:stretch/>
         </p:blipFill>
         <p:spPr>
           <a:xfrm>
-            <a:off x="823261" y="1617853"/>
-            <a:ext cx="10293640" cy="5283690"/>
+            <a:off x="60273" y="2028022"/>
+            <a:ext cx="12071453" cy="4581940"/>
           </a:xfrm>
           <a:prstGeom prst="rect">
             <a:avLst/>
@@ -9752,7 +9757,7 @@
     </p:spTree>
     <p:extLst>
       <p:ext uri="{BB962C8B-B14F-4D97-AF65-F5344CB8AC3E}">
-        <p14:creationId xmlns:p14="http://schemas.microsoft.com/office/powerpoint/2010/main" val="2293914519"/>
+        <p14:creationId xmlns:p14="http://schemas.microsoft.com/office/powerpoint/2010/main" val="902652531"/>
       </p:ext>
     </p:extLst>
   </p:cSld>
